--- a/infographic/blood_donation_2024-01-24.pptx
+++ b/infographic/blood_donation_2024-01-24.pptx
@@ -3669,17 +3669,16 @@
           </a:bodyPr>
           <a:lstStyle/>
           <a:p>
-            <a:r>
-              <a:rPr lang="en-US" sz="5999" b="1" dirty="0">
-                <a:latin typeface="Verdana" panose="020B0604030504040204" pitchFamily="34" charset="0"/>
-                <a:ea typeface="Verdana" panose="020B0604030504040204" pitchFamily="34" charset="0"/>
+            <a:pPr algn="ctr"/>
+            <a:r>
+              <a:rPr sz="1100" b="1">
+                <a:solidFill>
+                  <a:srgbClr val="000000"/>
+                </a:solidFill>
+                <a:latin typeface="Verdana"/>
               </a:rPr>
               <a:t>Malaysia's Blood Donation Daily Updates (2024)</a:t>
             </a:r>
-            <a:endParaRPr lang="en-MY" sz="5999" b="1" dirty="0">
-              <a:latin typeface="Verdana" panose="020B0604030504040204" pitchFamily="34" charset="0"/>
-              <a:ea typeface="Verdana" panose="020B0604030504040204" pitchFamily="34" charset="0"/>
-            </a:endParaRPr>
           </a:p>
         </p:txBody>
       </p:sp>
@@ -5187,7 +5186,7 @@
                 </a:solidFill>
                 <a:latin typeface="Verdana"/>
               </a:rPr>
-              <a:t>128</a:t>
+              <a:t>2,837</a:t>
             </a:r>
           </a:p>
         </p:txBody>
@@ -6774,28 +6773,14 @@
           <a:p>
             <a:pPr algn="ctr"/>
             <a:r>
-              <a:rPr lang="en-US" sz="1999" dirty="0">
+              <a:rPr sz="1100" b="1">
                 <a:solidFill>
-                  <a:schemeClr val="tx1">
-                    <a:lumMod val="50000"/>
-                    <a:lumOff val="50000"/>
-                  </a:schemeClr>
+                  <a:srgbClr val="000000"/>
                 </a:solidFill>
-                <a:latin typeface="Verdana" panose="020B0604030504040204" pitchFamily="34" charset="0"/>
-                <a:ea typeface="Verdana" panose="020B0604030504040204" pitchFamily="34" charset="0"/>
+                <a:latin typeface="Verdana"/>
               </a:rPr>
               <a:t>Scan QR code below for more updates</a:t>
             </a:r>
-            <a:endParaRPr lang="en-MY" sz="1999" dirty="0">
-              <a:solidFill>
-                <a:schemeClr val="tx1">
-                  <a:lumMod val="50000"/>
-                  <a:lumOff val="50000"/>
-                </a:schemeClr>
-              </a:solidFill>
-              <a:latin typeface="Verdana" panose="020B0604030504040204" pitchFamily="34" charset="0"/>
-              <a:ea typeface="Verdana" panose="020B0604030504040204" pitchFamily="34" charset="0"/>
-            </a:endParaRPr>
           </a:p>
         </p:txBody>
       </p:sp>
@@ -6873,11 +6858,16 @@
           </a:bodyPr>
           <a:lstStyle/>
           <a:p>
-            <a:r>
-              <a:rPr lang="en-US" dirty="0"/>
+            <a:pPr algn="ctr"/>
+            <a:r>
+              <a:rPr sz="1100" b="1">
+                <a:solidFill>
+                  <a:srgbClr val="000000"/>
+                </a:solidFill>
+                <a:latin typeface="Verdana"/>
+              </a:rPr>
               <a:t>date</a:t>
             </a:r>
-            <a:endParaRPr lang="en-MY" dirty="0"/>
           </a:p>
         </p:txBody>
       </p:sp>
